--- a/Lecture-7-MonteCarlo.pptx
+++ b/Lecture-7-MonteCarlo.pptx
@@ -122,6 +122,22 @@
       </a:defRPr>
     </a:lvl9pPr>
   </p:defaultTextStyle>
+  <p:extLst>
+    <p:ext uri="{EFAFB233-063F-42B5-8137-9DF3F51BA10A}">
+      <p15:sldGuideLst xmlns:p15="http://schemas.microsoft.com/office/powerpoint/2012/main">
+        <p15:guide id="1" orient="horz" pos="2160">
+          <p15:clr>
+            <a:srgbClr val="A4A3A4"/>
+          </p15:clr>
+        </p15:guide>
+        <p15:guide id="2" pos="2880">
+          <p15:clr>
+            <a:srgbClr val="A4A3A4"/>
+          </p15:clr>
+        </p15:guide>
+      </p15:sldGuideLst>
+    </p:ext>
+  </p:extLst>
 </p:presentation>
 </file>
 
@@ -207,7 +223,7 @@
           <a:p>
             <a:fld id="{FFC671DE-B974-1645-9773-8DE72E573319}" type="datetimeFigureOut">
               <a:rPr lang="en-US" smtClean="0"/>
-              <a:t>2/6/16</a:t>
+              <a:t>10/3/2018</a:t>
             </a:fld>
             <a:endParaRPr lang="en-US"/>
           </a:p>
@@ -271,38 +287,37 @@
           <a:p>
             <a:pPr lvl="0"/>
             <a:r>
-              <a:rPr lang="en-US" smtClean="0"/>
+              <a:rPr lang="en-US"/>
               <a:t>Click to edit Master text styles</a:t>
             </a:r>
           </a:p>
           <a:p>
             <a:pPr lvl="1"/>
             <a:r>
-              <a:rPr lang="en-US" smtClean="0"/>
+              <a:rPr lang="en-US"/>
               <a:t>Second level</a:t>
             </a:r>
           </a:p>
           <a:p>
             <a:pPr lvl="2"/>
             <a:r>
-              <a:rPr lang="en-US" smtClean="0"/>
+              <a:rPr lang="en-US"/>
               <a:t>Third level</a:t>
             </a:r>
           </a:p>
           <a:p>
             <a:pPr lvl="3"/>
             <a:r>
-              <a:rPr lang="en-US" smtClean="0"/>
+              <a:rPr lang="en-US"/>
               <a:t>Fourth level</a:t>
             </a:r>
           </a:p>
           <a:p>
             <a:pPr lvl="4"/>
             <a:r>
-              <a:rPr lang="en-US" smtClean="0"/>
+              <a:rPr lang="en-US"/>
               <a:t>Fifth level</a:t>
             </a:r>
-            <a:endParaRPr lang="en-US"/>
           </a:p>
         </p:txBody>
       </p:sp>
@@ -665,6 +680,90 @@
           <a:p>
             <a:fld id="{BCC14A3D-3C3B-DE49-A718-2FFC0A4B9DB3}" type="slidenum">
               <a:rPr lang="en-US" smtClean="0"/>
+              <a:t>5</a:t>
+            </a:fld>
+            <a:endParaRPr lang="en-US"/>
+          </a:p>
+        </p:txBody>
+      </p:sp>
+    </p:spTree>
+    <p:extLst>
+      <p:ext uri="{BB962C8B-B14F-4D97-AF65-F5344CB8AC3E}">
+        <p14:creationId xmlns:p14="http://schemas.microsoft.com/office/powerpoint/2010/main" val="2348812924"/>
+      </p:ext>
+    </p:extLst>
+  </p:cSld>
+  <p:clrMapOvr>
+    <a:masterClrMapping/>
+  </p:clrMapOvr>
+</p:notes>
+</file>
+
+<file path=ppt/notesSlides/notesSlide4.xml><?xml version="1.0" encoding="utf-8"?>
+<p:notes xmlns:a="http://schemas.openxmlformats.org/drawingml/2006/main" xmlns:r="http://schemas.openxmlformats.org/officeDocument/2006/relationships" xmlns:p="http://schemas.openxmlformats.org/presentationml/2006/main">
+  <p:cSld>
+    <p:spTree>
+      <p:nvGrpSpPr>
+        <p:cNvPr id="1" name=""/>
+        <p:cNvGrpSpPr/>
+        <p:nvPr/>
+      </p:nvGrpSpPr>
+      <p:grpSpPr>
+        <a:xfrm>
+          <a:off x="0" y="0"/>
+          <a:ext cx="0" cy="0"/>
+          <a:chOff x="0" y="0"/>
+          <a:chExt cx="0" cy="0"/>
+        </a:xfrm>
+      </p:grpSpPr>
+      <p:sp>
+        <p:nvSpPr>
+          <p:cNvPr id="2" name="Slide Image Placeholder 1"/>
+          <p:cNvSpPr>
+            <a:spLocks noGrp="1" noRot="1" noChangeAspect="1"/>
+          </p:cNvSpPr>
+          <p:nvPr>
+            <p:ph type="sldImg"/>
+          </p:nvPr>
+        </p:nvSpPr>
+        <p:spPr/>
+      </p:sp>
+      <p:sp>
+        <p:nvSpPr>
+          <p:cNvPr id="3" name="Notes Placeholder 2"/>
+          <p:cNvSpPr>
+            <a:spLocks noGrp="1"/>
+          </p:cNvSpPr>
+          <p:nvPr>
+            <p:ph type="body" idx="1"/>
+          </p:nvPr>
+        </p:nvSpPr>
+        <p:spPr/>
+        <p:txBody>
+          <a:bodyPr/>
+          <a:lstStyle/>
+          <a:p>
+            <a:endParaRPr lang="en-US" dirty="0"/>
+          </a:p>
+        </p:txBody>
+      </p:sp>
+      <p:sp>
+        <p:nvSpPr>
+          <p:cNvPr id="4" name="Slide Number Placeholder 3"/>
+          <p:cNvSpPr>
+            <a:spLocks noGrp="1"/>
+          </p:cNvSpPr>
+          <p:nvPr>
+            <p:ph type="sldNum" sz="quarter" idx="10"/>
+          </p:nvPr>
+        </p:nvSpPr>
+        <p:spPr/>
+        <p:txBody>
+          <a:bodyPr/>
+          <a:lstStyle/>
+          <a:p>
+            <a:fld id="{BCC14A3D-3C3B-DE49-A718-2FFC0A4B9DB3}" type="slidenum">
+              <a:rPr lang="en-US" smtClean="0"/>
               <a:t>9</a:t>
             </a:fld>
             <a:endParaRPr lang="en-US"/>
@@ -722,7 +821,7 @@
           <a:lstStyle/>
           <a:p>
             <a:r>
-              <a:rPr lang="en-US" smtClean="0"/>
+              <a:rPr lang="en-US"/>
               <a:t>Click to edit Master title style</a:t>
             </a:r>
             <a:endParaRPr/>
@@ -879,7 +978,7 @@
           </a:lstStyle>
           <a:p>
             <a:r>
-              <a:rPr lang="en-US" smtClean="0"/>
+              <a:rPr lang="en-US"/>
               <a:t>Click to edit Master subtitle style</a:t>
             </a:r>
             <a:endParaRPr dirty="0"/>
@@ -994,7 +1093,7 @@
           </a:lstStyle>
           <a:p>
             <a:r>
-              <a:rPr lang="en-US" smtClean="0"/>
+              <a:rPr lang="en-US"/>
               <a:t>Click to edit Master title style</a:t>
             </a:r>
             <a:endParaRPr/>
@@ -1061,7 +1160,7 @@
           </a:lstStyle>
           <a:p>
             <a:r>
-              <a:rPr lang="en-US" smtClean="0"/>
+              <a:rPr lang="en-US"/>
               <a:t>Drag picture to placeholder or click icon to add</a:t>
             </a:r>
             <a:endParaRPr/>
@@ -1173,7 +1272,7 @@
               <a:buNone/>
             </a:pPr>
             <a:r>
-              <a:rPr lang="en-US" smtClean="0"/>
+              <a:rPr lang="en-US"/>
               <a:t>Click to edit Master text styles</a:t>
             </a:r>
           </a:p>
@@ -1204,7 +1303,7 @@
           <a:p>
             <a:fld id="{15BAAE7D-7912-B445-AAA7-9E6395770C35}" type="datetimeFigureOut">
               <a:rPr lang="en-US" smtClean="0"/>
-              <a:t>2/6/16</a:t>
+              <a:t>10/3/2018</a:t>
             </a:fld>
             <a:endParaRPr lang="en-US"/>
           </a:p>
@@ -1304,7 +1403,7 @@
           </a:lstStyle>
           <a:p>
             <a:r>
-              <a:rPr lang="en-US" smtClean="0"/>
+              <a:rPr lang="en-US"/>
               <a:t>Click to edit Master title style</a:t>
             </a:r>
             <a:endParaRPr/>
@@ -1457,7 +1556,7 @@
           </a:lstStyle>
           <a:p>
             <a:r>
-              <a:rPr lang="en-US" smtClean="0"/>
+              <a:rPr lang="en-US"/>
               <a:t>Click to edit Master subtitle style</a:t>
             </a:r>
             <a:endParaRPr dirty="0"/>
@@ -1489,7 +1588,7 @@
           <a:p>
             <a:fld id="{15BAAE7D-7912-B445-AAA7-9E6395770C35}" type="datetimeFigureOut">
               <a:rPr lang="en-US" smtClean="0"/>
-              <a:t>2/6/16</a:t>
+              <a:t>10/3/2018</a:t>
             </a:fld>
             <a:endParaRPr lang="en-US"/>
           </a:p>
@@ -1542,7 +1641,7 @@
           </a:lstStyle>
           <a:p>
             <a:r>
-              <a:rPr lang="en-US" smtClean="0"/>
+              <a:rPr lang="en-US"/>
               <a:t>Drag picture to placeholder or click icon to add</a:t>
             </a:r>
             <a:endParaRPr/>
@@ -1601,7 +1700,7 @@
           </a:lstStyle>
           <a:p>
             <a:r>
-              <a:rPr lang="en-US" smtClean="0"/>
+              <a:rPr lang="en-US"/>
               <a:t>Click to edit Master title style</a:t>
             </a:r>
             <a:endParaRPr/>
@@ -1754,7 +1853,7 @@
           </a:lstStyle>
           <a:p>
             <a:r>
-              <a:rPr lang="en-US" smtClean="0"/>
+              <a:rPr lang="en-US"/>
               <a:t>Click to edit Master subtitle style</a:t>
             </a:r>
             <a:endParaRPr dirty="0"/>
@@ -1786,7 +1885,7 @@
           <a:p>
             <a:fld id="{15BAAE7D-7912-B445-AAA7-9E6395770C35}" type="datetimeFigureOut">
               <a:rPr lang="en-US" smtClean="0"/>
-              <a:t>2/6/16</a:t>
+              <a:t>10/3/2018</a:t>
             </a:fld>
             <a:endParaRPr lang="en-US"/>
           </a:p>
@@ -1839,7 +1938,7 @@
           </a:lstStyle>
           <a:p>
             <a:r>
-              <a:rPr lang="en-US" smtClean="0"/>
+              <a:rPr lang="en-US"/>
               <a:t>Drag picture to placeholder or click icon to add</a:t>
             </a:r>
             <a:endParaRPr/>
@@ -1874,7 +1973,7 @@
           </a:lstStyle>
           <a:p>
             <a:r>
-              <a:rPr lang="en-US" smtClean="0"/>
+              <a:rPr lang="en-US"/>
               <a:t>Drag picture to placeholder or click icon to add</a:t>
             </a:r>
             <a:endParaRPr/>
@@ -1933,7 +2032,7 @@
           </a:lstStyle>
           <a:p>
             <a:r>
-              <a:rPr lang="en-US" smtClean="0"/>
+              <a:rPr lang="en-US"/>
               <a:t>Click to edit Master title style</a:t>
             </a:r>
             <a:endParaRPr/>
@@ -2086,7 +2185,7 @@
           </a:lstStyle>
           <a:p>
             <a:r>
-              <a:rPr lang="en-US" smtClean="0"/>
+              <a:rPr lang="en-US"/>
               <a:t>Click to edit Master subtitle style</a:t>
             </a:r>
             <a:endParaRPr/>
@@ -2118,7 +2217,7 @@
           <a:p>
             <a:fld id="{15BAAE7D-7912-B445-AAA7-9E6395770C35}" type="datetimeFigureOut">
               <a:rPr lang="en-US" smtClean="0"/>
-              <a:t>2/6/16</a:t>
+              <a:t>10/3/2018</a:t>
             </a:fld>
             <a:endParaRPr lang="en-US"/>
           </a:p>
@@ -2171,7 +2270,7 @@
           </a:lstStyle>
           <a:p>
             <a:r>
-              <a:rPr lang="en-US" smtClean="0"/>
+              <a:rPr lang="en-US"/>
               <a:t>Drag picture to placeholder or click icon to add</a:t>
             </a:r>
             <a:endParaRPr/>
@@ -2206,7 +2305,7 @@
           </a:lstStyle>
           <a:p>
             <a:r>
-              <a:rPr lang="en-US" smtClean="0"/>
+              <a:rPr lang="en-US"/>
               <a:t>Drag picture to placeholder or click icon to add</a:t>
             </a:r>
             <a:endParaRPr/>
@@ -2241,7 +2340,7 @@
           </a:lstStyle>
           <a:p>
             <a:r>
-              <a:rPr lang="en-US" smtClean="0"/>
+              <a:rPr lang="en-US"/>
               <a:t>Drag picture to placeholder or click icon to add</a:t>
             </a:r>
             <a:endParaRPr/>
@@ -2289,7 +2388,7 @@
           <a:lstStyle/>
           <a:p>
             <a:r>
-              <a:rPr lang="en-US" smtClean="0"/>
+              <a:rPr lang="en-US"/>
               <a:t>Click to edit Master title style</a:t>
             </a:r>
             <a:endParaRPr/>
@@ -2317,35 +2416,35 @@
           <a:p>
             <a:pPr lvl="0"/>
             <a:r>
-              <a:rPr lang="en-US" smtClean="0"/>
+              <a:rPr lang="en-US"/>
               <a:t>Click to edit Master text styles</a:t>
             </a:r>
           </a:p>
           <a:p>
             <a:pPr lvl="1"/>
             <a:r>
-              <a:rPr lang="en-US" smtClean="0"/>
+              <a:rPr lang="en-US"/>
               <a:t>Second level</a:t>
             </a:r>
           </a:p>
           <a:p>
             <a:pPr lvl="2"/>
             <a:r>
-              <a:rPr lang="en-US" smtClean="0"/>
+              <a:rPr lang="en-US"/>
               <a:t>Third level</a:t>
             </a:r>
           </a:p>
           <a:p>
             <a:pPr lvl="3"/>
             <a:r>
-              <a:rPr lang="en-US" smtClean="0"/>
+              <a:rPr lang="en-US"/>
               <a:t>Fourth level</a:t>
             </a:r>
           </a:p>
           <a:p>
             <a:pPr lvl="4"/>
             <a:r>
-              <a:rPr lang="en-US" smtClean="0"/>
+              <a:rPr lang="en-US"/>
               <a:t>Fifth level</a:t>
             </a:r>
             <a:endParaRPr dirty="0"/>
@@ -2377,7 +2476,7 @@
           <a:p>
             <a:fld id="{15BAAE7D-7912-B445-AAA7-9E6395770C35}" type="datetimeFigureOut">
               <a:rPr lang="en-US" smtClean="0"/>
-              <a:t>2/6/16</a:t>
+              <a:t>10/3/2018</a:t>
             </a:fld>
             <a:endParaRPr lang="en-US"/>
           </a:p>
@@ -2471,7 +2570,7 @@
           <a:lstStyle/>
           <a:p>
             <a:r>
-              <a:rPr lang="en-US" smtClean="0"/>
+              <a:rPr lang="en-US"/>
               <a:t>Click to edit Master title style</a:t>
             </a:r>
             <a:endParaRPr/>
@@ -2504,35 +2603,35 @@
           <a:p>
             <a:pPr lvl="0"/>
             <a:r>
-              <a:rPr lang="en-US" smtClean="0"/>
+              <a:rPr lang="en-US"/>
               <a:t>Click to edit Master text styles</a:t>
             </a:r>
           </a:p>
           <a:p>
             <a:pPr lvl="1"/>
             <a:r>
-              <a:rPr lang="en-US" smtClean="0"/>
+              <a:rPr lang="en-US"/>
               <a:t>Second level</a:t>
             </a:r>
           </a:p>
           <a:p>
             <a:pPr lvl="2"/>
             <a:r>
-              <a:rPr lang="en-US" smtClean="0"/>
+              <a:rPr lang="en-US"/>
               <a:t>Third level</a:t>
             </a:r>
           </a:p>
           <a:p>
             <a:pPr lvl="3"/>
             <a:r>
-              <a:rPr lang="en-US" smtClean="0"/>
+              <a:rPr lang="en-US"/>
               <a:t>Fourth level</a:t>
             </a:r>
           </a:p>
           <a:p>
             <a:pPr lvl="4"/>
             <a:r>
-              <a:rPr lang="en-US" smtClean="0"/>
+              <a:rPr lang="en-US"/>
               <a:t>Fifth level</a:t>
             </a:r>
             <a:endParaRPr dirty="0"/>
@@ -2564,7 +2663,7 @@
           <a:p>
             <a:fld id="{15BAAE7D-7912-B445-AAA7-9E6395770C35}" type="datetimeFigureOut">
               <a:rPr lang="en-US" smtClean="0"/>
-              <a:t>2/6/16</a:t>
+              <a:t>10/3/2018</a:t>
             </a:fld>
             <a:endParaRPr lang="en-US"/>
           </a:p>
@@ -2653,7 +2752,7 @@
           <a:lstStyle/>
           <a:p>
             <a:r>
-              <a:rPr lang="en-US" smtClean="0"/>
+              <a:rPr lang="en-US"/>
               <a:t>Click to edit Master title style</a:t>
             </a:r>
             <a:endParaRPr/>
@@ -2681,35 +2780,35 @@
           <a:p>
             <a:pPr lvl="0"/>
             <a:r>
-              <a:rPr lang="en-US" smtClean="0"/>
+              <a:rPr lang="en-US"/>
               <a:t>Click to edit Master text styles</a:t>
             </a:r>
           </a:p>
           <a:p>
             <a:pPr lvl="1"/>
             <a:r>
-              <a:rPr lang="en-US" smtClean="0"/>
+              <a:rPr lang="en-US"/>
               <a:t>Second level</a:t>
             </a:r>
           </a:p>
           <a:p>
             <a:pPr lvl="2"/>
             <a:r>
-              <a:rPr lang="en-US" smtClean="0"/>
+              <a:rPr lang="en-US"/>
               <a:t>Third level</a:t>
             </a:r>
           </a:p>
           <a:p>
             <a:pPr lvl="3"/>
             <a:r>
-              <a:rPr lang="en-US" smtClean="0"/>
+              <a:rPr lang="en-US"/>
               <a:t>Fourth level</a:t>
             </a:r>
           </a:p>
           <a:p>
             <a:pPr lvl="4"/>
             <a:r>
-              <a:rPr lang="en-US" smtClean="0"/>
+              <a:rPr lang="en-US"/>
               <a:t>Fifth level</a:t>
             </a:r>
             <a:endParaRPr dirty="0"/>
@@ -2813,7 +2912,7 @@
           <a:lstStyle/>
           <a:p>
             <a:r>
-              <a:rPr lang="en-US" smtClean="0"/>
+              <a:rPr lang="en-US"/>
               <a:t>Click to edit Master title style</a:t>
             </a:r>
             <a:endParaRPr/>
@@ -2964,7 +3063,7 @@
           </a:lstStyle>
           <a:p>
             <a:r>
-              <a:rPr lang="en-US" smtClean="0"/>
+              <a:rPr lang="en-US"/>
               <a:t>Click to edit Master subtitle style</a:t>
             </a:r>
             <a:endParaRPr dirty="0"/>
@@ -3018,7 +3117,7 @@
           </a:lstStyle>
           <a:p>
             <a:r>
-              <a:rPr lang="en-US" smtClean="0"/>
+              <a:rPr lang="en-US"/>
               <a:t>Drag picture to placeholder or click icon to add</a:t>
             </a:r>
             <a:endParaRPr/>
@@ -3091,7 +3190,7 @@
           </a:lstStyle>
           <a:p>
             <a:r>
-              <a:rPr lang="en-US" smtClean="0"/>
+              <a:rPr lang="en-US"/>
               <a:t>Click to edit Master title style</a:t>
             </a:r>
             <a:endParaRPr/>
@@ -3249,7 +3348,7 @@
           <a:p>
             <a:pPr lvl="0"/>
             <a:r>
-              <a:rPr lang="en-US" smtClean="0"/>
+              <a:rPr lang="en-US"/>
               <a:t>Click to edit Master text styles</a:t>
             </a:r>
           </a:p>
@@ -3338,7 +3437,7 @@
           <a:lstStyle/>
           <a:p>
             <a:r>
-              <a:rPr lang="en-US" smtClean="0"/>
+              <a:rPr lang="en-US"/>
               <a:t>Click to edit Master title style</a:t>
             </a:r>
             <a:endParaRPr/>
@@ -3397,35 +3496,35 @@
           <a:p>
             <a:pPr lvl="0"/>
             <a:r>
-              <a:rPr lang="en-US" smtClean="0"/>
+              <a:rPr lang="en-US"/>
               <a:t>Click to edit Master text styles</a:t>
             </a:r>
           </a:p>
           <a:p>
             <a:pPr lvl="1"/>
             <a:r>
-              <a:rPr lang="en-US" smtClean="0"/>
+              <a:rPr lang="en-US"/>
               <a:t>Second level</a:t>
             </a:r>
           </a:p>
           <a:p>
             <a:pPr lvl="2"/>
             <a:r>
-              <a:rPr lang="en-US" smtClean="0"/>
+              <a:rPr lang="en-US"/>
               <a:t>Third level</a:t>
             </a:r>
           </a:p>
           <a:p>
             <a:pPr lvl="3"/>
             <a:r>
-              <a:rPr lang="en-US" smtClean="0"/>
+              <a:rPr lang="en-US"/>
               <a:t>Fourth level</a:t>
             </a:r>
           </a:p>
           <a:p>
             <a:pPr lvl="4"/>
             <a:r>
-              <a:rPr lang="en-US" smtClean="0"/>
+              <a:rPr lang="en-US"/>
               <a:t>Fifth level</a:t>
             </a:r>
             <a:endParaRPr dirty="0"/>
@@ -3484,35 +3583,35 @@
           <a:p>
             <a:pPr lvl="0"/>
             <a:r>
-              <a:rPr lang="en-US" smtClean="0"/>
+              <a:rPr lang="en-US"/>
               <a:t>Click to edit Master text styles</a:t>
             </a:r>
           </a:p>
           <a:p>
             <a:pPr lvl="1"/>
             <a:r>
-              <a:rPr lang="en-US" smtClean="0"/>
+              <a:rPr lang="en-US"/>
               <a:t>Second level</a:t>
             </a:r>
           </a:p>
           <a:p>
             <a:pPr lvl="2"/>
             <a:r>
-              <a:rPr lang="en-US" smtClean="0"/>
+              <a:rPr lang="en-US"/>
               <a:t>Third level</a:t>
             </a:r>
           </a:p>
           <a:p>
             <a:pPr lvl="3"/>
             <a:r>
-              <a:rPr lang="en-US" smtClean="0"/>
+              <a:rPr lang="en-US"/>
               <a:t>Fourth level</a:t>
             </a:r>
           </a:p>
           <a:p>
             <a:pPr lvl="4"/>
             <a:r>
-              <a:rPr lang="en-US" smtClean="0"/>
+              <a:rPr lang="en-US"/>
               <a:t>Fifth level</a:t>
             </a:r>
             <a:endParaRPr dirty="0"/>
@@ -3606,7 +3705,7 @@
           </a:lstStyle>
           <a:p>
             <a:r>
-              <a:rPr lang="en-US" smtClean="0"/>
+              <a:rPr lang="en-US"/>
               <a:t>Click to edit Master title style</a:t>
             </a:r>
             <a:endParaRPr/>
@@ -3674,7 +3773,7 @@
           <a:p>
             <a:pPr lvl="0"/>
             <a:r>
-              <a:rPr lang="en-US" smtClean="0"/>
+              <a:rPr lang="en-US"/>
               <a:t>Click to edit Master text styles</a:t>
             </a:r>
           </a:p>
@@ -3732,35 +3831,35 @@
           <a:p>
             <a:pPr lvl="0"/>
             <a:r>
-              <a:rPr lang="en-US" smtClean="0"/>
+              <a:rPr lang="en-US"/>
               <a:t>Click to edit Master text styles</a:t>
             </a:r>
           </a:p>
           <a:p>
             <a:pPr lvl="1"/>
             <a:r>
-              <a:rPr lang="en-US" smtClean="0"/>
+              <a:rPr lang="en-US"/>
               <a:t>Second level</a:t>
             </a:r>
           </a:p>
           <a:p>
             <a:pPr lvl="2"/>
             <a:r>
-              <a:rPr lang="en-US" smtClean="0"/>
+              <a:rPr lang="en-US"/>
               <a:t>Third level</a:t>
             </a:r>
           </a:p>
           <a:p>
             <a:pPr lvl="3"/>
             <a:r>
-              <a:rPr lang="en-US" smtClean="0"/>
+              <a:rPr lang="en-US"/>
               <a:t>Fourth level</a:t>
             </a:r>
           </a:p>
           <a:p>
             <a:pPr lvl="4"/>
             <a:r>
-              <a:rPr lang="en-US" smtClean="0"/>
+              <a:rPr lang="en-US"/>
               <a:t>Fifth level</a:t>
             </a:r>
             <a:endParaRPr dirty="0"/>
@@ -3828,7 +3927,7 @@
           <a:p>
             <a:pPr lvl="0"/>
             <a:r>
-              <a:rPr lang="en-US" smtClean="0"/>
+              <a:rPr lang="en-US"/>
               <a:t>Click to edit Master text styles</a:t>
             </a:r>
           </a:p>
@@ -3886,35 +3985,35 @@
           <a:p>
             <a:pPr lvl="0"/>
             <a:r>
-              <a:rPr lang="en-US" smtClean="0"/>
+              <a:rPr lang="en-US"/>
               <a:t>Click to edit Master text styles</a:t>
             </a:r>
           </a:p>
           <a:p>
             <a:pPr lvl="1"/>
             <a:r>
-              <a:rPr lang="en-US" smtClean="0"/>
+              <a:rPr lang="en-US"/>
               <a:t>Second level</a:t>
             </a:r>
           </a:p>
           <a:p>
             <a:pPr lvl="2"/>
             <a:r>
-              <a:rPr lang="en-US" smtClean="0"/>
+              <a:rPr lang="en-US"/>
               <a:t>Third level</a:t>
             </a:r>
           </a:p>
           <a:p>
             <a:pPr lvl="3"/>
             <a:r>
-              <a:rPr lang="en-US" smtClean="0"/>
+              <a:rPr lang="en-US"/>
               <a:t>Fourth level</a:t>
             </a:r>
           </a:p>
           <a:p>
             <a:pPr lvl="4"/>
             <a:r>
-              <a:rPr lang="en-US" smtClean="0"/>
+              <a:rPr lang="en-US"/>
               <a:t>Fifth level</a:t>
             </a:r>
             <a:endParaRPr dirty="0"/>
@@ -4241,7 +4340,7 @@
           <a:lstStyle/>
           <a:p>
             <a:r>
-              <a:rPr lang="en-US" smtClean="0"/>
+              <a:rPr lang="en-US"/>
               <a:t>Click to edit Master title style</a:t>
             </a:r>
             <a:endParaRPr/>
@@ -4273,7 +4372,7 @@
           <a:p>
             <a:fld id="{15BAAE7D-7912-B445-AAA7-9E6395770C35}" type="datetimeFigureOut">
               <a:rPr lang="en-US" smtClean="0"/>
-              <a:t>2/6/16</a:t>
+              <a:t>10/3/2018</a:t>
             </a:fld>
             <a:endParaRPr lang="en-US"/>
           </a:p>
@@ -4371,7 +4470,7 @@
           <a:p>
             <a:fld id="{15BAAE7D-7912-B445-AAA7-9E6395770C35}" type="datetimeFigureOut">
               <a:rPr lang="en-US" smtClean="0"/>
-              <a:t>2/6/16</a:t>
+              <a:t>10/3/2018</a:t>
             </a:fld>
             <a:endParaRPr lang="en-US"/>
           </a:p>
@@ -4485,7 +4584,7 @@
           </a:lstStyle>
           <a:p>
             <a:r>
-              <a:rPr lang="en-US" smtClean="0"/>
+              <a:rPr lang="en-US"/>
               <a:t>Click to edit Master title style</a:t>
             </a:r>
             <a:endParaRPr/>
@@ -4542,35 +4641,35 @@
           <a:p>
             <a:pPr lvl="0"/>
             <a:r>
-              <a:rPr lang="en-US" smtClean="0"/>
+              <a:rPr lang="en-US"/>
               <a:t>Click to edit Master text styles</a:t>
             </a:r>
           </a:p>
           <a:p>
             <a:pPr lvl="1"/>
             <a:r>
-              <a:rPr lang="en-US" smtClean="0"/>
+              <a:rPr lang="en-US"/>
               <a:t>Second level</a:t>
             </a:r>
           </a:p>
           <a:p>
             <a:pPr lvl="2"/>
             <a:r>
-              <a:rPr lang="en-US" smtClean="0"/>
+              <a:rPr lang="en-US"/>
               <a:t>Third level</a:t>
             </a:r>
           </a:p>
           <a:p>
             <a:pPr lvl="3"/>
             <a:r>
-              <a:rPr lang="en-US" smtClean="0"/>
+              <a:rPr lang="en-US"/>
               <a:t>Fourth level</a:t>
             </a:r>
           </a:p>
           <a:p>
             <a:pPr lvl="4"/>
             <a:r>
-              <a:rPr lang="en-US" smtClean="0"/>
+              <a:rPr lang="en-US"/>
               <a:t>Fifth level</a:t>
             </a:r>
             <a:endParaRPr dirty="0"/>
@@ -4680,7 +4779,7 @@
           <a:p>
             <a:pPr lvl="0"/>
             <a:r>
-              <a:rPr lang="en-US" smtClean="0"/>
+              <a:rPr lang="en-US"/>
               <a:t>Click to edit Master text styles</a:t>
             </a:r>
           </a:p>
@@ -4711,7 +4810,7 @@
           <a:p>
             <a:fld id="{15BAAE7D-7912-B445-AAA7-9E6395770C35}" type="datetimeFigureOut">
               <a:rPr lang="en-US" smtClean="0"/>
-              <a:t>2/6/16</a:t>
+              <a:t>10/3/2018</a:t>
             </a:fld>
             <a:endParaRPr lang="en-US"/>
           </a:p>
@@ -4818,7 +4917,7 @@
           <a:lstStyle/>
           <a:p>
             <a:r>
-              <a:rPr lang="en-US" smtClean="0"/>
+              <a:rPr lang="en-US"/>
               <a:t>Click to edit Master title style</a:t>
             </a:r>
             <a:endParaRPr/>
@@ -4852,35 +4951,35 @@
           <a:p>
             <a:pPr lvl="0"/>
             <a:r>
-              <a:rPr lang="en-US" smtClean="0"/>
+              <a:rPr lang="en-US"/>
               <a:t>Click to edit Master text styles</a:t>
             </a:r>
           </a:p>
           <a:p>
             <a:pPr lvl="1"/>
             <a:r>
-              <a:rPr lang="en-US" smtClean="0"/>
+              <a:rPr lang="en-US"/>
               <a:t>Second level</a:t>
             </a:r>
           </a:p>
           <a:p>
             <a:pPr lvl="2"/>
             <a:r>
-              <a:rPr lang="en-US" smtClean="0"/>
+              <a:rPr lang="en-US"/>
               <a:t>Third level</a:t>
             </a:r>
           </a:p>
           <a:p>
             <a:pPr lvl="3"/>
             <a:r>
-              <a:rPr lang="en-US" smtClean="0"/>
+              <a:rPr lang="en-US"/>
               <a:t>Fourth level</a:t>
             </a:r>
           </a:p>
           <a:p>
             <a:pPr lvl="4"/>
             <a:r>
-              <a:rPr lang="en-US" smtClean="0"/>
+              <a:rPr lang="en-US"/>
               <a:t>Fifth level</a:t>
             </a:r>
             <a:endParaRPr dirty="0"/>
@@ -5439,7 +5538,7 @@
           <a:p>
             <a:pPr algn="ctr"/>
             <a:r>
-              <a:rPr lang="en-US" sz="2800" dirty="0" smtClean="0">
+              <a:rPr lang="en-US" sz="2800" dirty="0">
                 <a:solidFill>
                   <a:schemeClr val="tx1"/>
                 </a:solidFill>
@@ -5447,20 +5546,12 @@
               <a:t>CS 419: Production Rendering</a:t>
             </a:r>
             <a:br>
-              <a:rPr lang="en-US" sz="2800" dirty="0" smtClean="0">
+              <a:rPr lang="en-US" sz="2800" dirty="0">
                 <a:solidFill>
                   <a:schemeClr val="tx1"/>
                 </a:solidFill>
               </a:rPr>
             </a:br>
-            <a:r>
-              <a:rPr lang="en-US" sz="2800" dirty="0">
-                <a:solidFill>
-                  <a:schemeClr val="tx1"/>
-                </a:solidFill>
-              </a:rPr>
-              <a:t/>
-            </a:r>
             <a:br>
               <a:rPr lang="en-US" sz="2800" dirty="0">
                 <a:solidFill>
@@ -5468,36 +5559,20 @@
                 </a:solidFill>
               </a:rPr>
             </a:br>
-            <a:r>
-              <a:rPr lang="en-US" sz="2800" dirty="0" smtClean="0">
-                <a:solidFill>
-                  <a:schemeClr val="tx1"/>
-                </a:solidFill>
-              </a:rPr>
-              <a:t/>
-            </a:r>
             <a:br>
-              <a:rPr lang="en-US" sz="2800" dirty="0" smtClean="0">
+              <a:rPr lang="en-US" sz="2800" dirty="0">
                 <a:solidFill>
                   <a:schemeClr val="tx1"/>
                 </a:solidFill>
               </a:rPr>
             </a:br>
             <a:r>
-              <a:rPr lang="en-US" sz="2800" dirty="0" smtClean="0">
+              <a:rPr lang="en-US" sz="2800" dirty="0">
                 <a:solidFill>
                   <a:schemeClr val="tx1"/>
                 </a:solidFill>
               </a:rPr>
-              <a:t>Introduction to Monte </a:t>
-            </a:r>
-            <a:r>
-              <a:rPr lang="en-US" sz="2800" dirty="0" smtClean="0">
-                <a:solidFill>
-                  <a:schemeClr val="tx1"/>
-                </a:solidFill>
-              </a:rPr>
-              <a:t>Carlo Methods</a:t>
+              <a:t>Introduction to Monte Carlo Methods</a:t>
             </a:r>
             <a:endParaRPr lang="en-US" sz="3200" dirty="0">
               <a:solidFill>
@@ -5547,7 +5622,7 @@
               <a:buNone/>
             </a:pPr>
             <a:r>
-              <a:rPr lang="en-US" sz="2400" dirty="0" smtClean="0">
+              <a:rPr lang="en-US" sz="2400" dirty="0">
                 <a:solidFill>
                   <a:schemeClr val="tx2"/>
                 </a:solidFill>
@@ -5564,14 +5639,14 @@
               <a:buNone/>
             </a:pPr>
             <a:r>
-              <a:rPr lang="en-US" dirty="0" smtClean="0">
+              <a:rPr lang="en-US" dirty="0">
                 <a:solidFill>
                   <a:schemeClr val="tx2"/>
                 </a:solidFill>
               </a:rPr>
               <a:t> </a:t>
             </a:r>
-            <a:endParaRPr lang="en-US" sz="300" dirty="0" smtClean="0">
+            <a:endParaRPr lang="en-US" sz="300" dirty="0">
               <a:solidFill>
                 <a:schemeClr val="tx2"/>
               </a:solidFill>
@@ -5643,21 +5718,6 @@
   <p:clrMapOvr>
     <a:masterClrMapping/>
   </p:clrMapOvr>
-  <mc:AlternateContent xmlns:mc="http://schemas.openxmlformats.org/markup-compatibility/2006" xmlns:p14="http://schemas.microsoft.com/office/powerpoint/2010/main">
-    <mc:Choice Requires="p14">
-      <p:transition spd="slow" p14:dur="2000"/>
-    </mc:Choice>
-    <mc:Fallback xmlns="">
-      <p:transition xmlns:p14="http://schemas.microsoft.com/office/powerpoint/2010/main" spd="slow"/>
-    </mc:Fallback>
-  </mc:AlternateContent>
-  <p:timing>
-    <p:tnLst>
-      <p:par>
-        <p:cTn xmlns:p14="http://schemas.microsoft.com/office/powerpoint/2010/main" id="1" dur="indefinite" restart="never" nodeType="tmRoot"/>
-      </p:par>
-    </p:tnLst>
-  </p:timing>
 </p:sld>
 </file>
 
@@ -5694,10 +5754,9 @@
           <a:lstStyle/>
           <a:p>
             <a:r>
-              <a:rPr lang="en-US" dirty="0" smtClean="0"/>
+              <a:rPr lang="en-US" dirty="0"/>
               <a:t>1D Example</a:t>
             </a:r>
-            <a:endParaRPr lang="en-US" dirty="0"/>
           </a:p>
         </p:txBody>
       </p:sp>
@@ -5781,7 +5840,7 @@
           <a:graphicData uri="http://schemas.openxmlformats.org/presentationml/2006/ole">
             <mc:AlternateContent xmlns:mc="http://schemas.openxmlformats.org/markup-compatibility/2006">
               <mc:Choice xmlns:v="urn:schemas-microsoft-com:vml" Requires="v">
-                <p:oleObj spid="_x0000_s13331" name="Equation" r:id="rId5" imgW="1193800" imgH="939800" progId="Equation.3">
+                <p:oleObj spid="_x0000_s13333" name="Equation" r:id="rId5" imgW="1193800" imgH="939800" progId="Equation.3">
                   <p:embed/>
                 </p:oleObj>
               </mc:Choice>
@@ -5839,10 +5898,9 @@
           <a:lstStyle/>
           <a:p>
             <a:r>
-              <a:rPr lang="en-US" dirty="0" smtClean="0"/>
+              <a:rPr lang="en-US" dirty="0"/>
               <a:t>Monte Carlo estimator for integral I</a:t>
             </a:r>
-            <a:endParaRPr lang="en-US" dirty="0"/>
           </a:p>
         </p:txBody>
       </p:sp>
@@ -5856,13 +5914,6 @@
   <p:clrMapOvr>
     <a:masterClrMapping/>
   </p:clrMapOvr>
-  <p:timing>
-    <p:tnLst>
-      <p:par>
-        <p:cTn xmlns:p14="http://schemas.microsoft.com/office/powerpoint/2010/main" id="1" dur="indefinite" restart="never" nodeType="tmRoot"/>
-      </p:par>
-    </p:tnLst>
-  </p:timing>
 </p:sld>
 </file>
 
@@ -5899,10 +5950,9 @@
           <a:lstStyle/>
           <a:p>
             <a:r>
-              <a:rPr lang="en-US" dirty="0" smtClean="0"/>
+              <a:rPr lang="en-US" dirty="0"/>
               <a:t>Central Limit Theorem</a:t>
             </a:r>
-            <a:endParaRPr lang="en-US" dirty="0"/>
           </a:p>
         </p:txBody>
       </p:sp>
@@ -5950,10 +6000,9 @@
               <a:buNone/>
             </a:pPr>
             <a:r>
-              <a:rPr lang="en-US" dirty="0" smtClean="0"/>
+              <a:rPr lang="en-US" dirty="0"/>
               <a:t>If you are sampling an average, the distribution of the average approaches the normal distribution, even if the the distribution being sampled from is not normal</a:t>
             </a:r>
-            <a:endParaRPr lang="en-US" dirty="0"/>
           </a:p>
         </p:txBody>
       </p:sp>
@@ -5968,7 +6017,7 @@
         <p:spPr>
           <a:xfrm>
             <a:off x="393545" y="3639485"/>
-            <a:ext cx="7610476" cy="3670767"/>
+            <a:ext cx="8198662" cy="3670767"/>
           </a:xfrm>
           <a:prstGeom prst="rect">
             <a:avLst/>
@@ -6175,22 +6224,27 @@
           </a:lstStyle>
           <a:p>
             <a:r>
-              <a:rPr lang="en-US" dirty="0" smtClean="0"/>
+              <a:rPr lang="en-US" dirty="0"/>
+              <a:t>N is the number of samples used to compute the average</a:t>
+            </a:r>
+          </a:p>
+          <a:p>
+            <a:r>
+              <a:rPr lang="en-US" dirty="0"/>
               <a:t>As N approaches infinity, the estimate lies in a narrower band around the expected value of the integral with higher probability</a:t>
             </a:r>
           </a:p>
           <a:p>
             <a:r>
-              <a:rPr lang="en-US" dirty="0" smtClean="0"/>
+              <a:rPr lang="en-US" dirty="0"/>
               <a:t>Within three standard deviations 99.7% of the time</a:t>
             </a:r>
           </a:p>
           <a:p>
             <a:r>
-              <a:rPr lang="en-US" dirty="0" smtClean="0"/>
+              <a:rPr lang="en-US" dirty="0"/>
               <a:t>Standard deviations vary as 1/√N </a:t>
             </a:r>
-            <a:endParaRPr lang="en-US" dirty="0"/>
           </a:p>
         </p:txBody>
       </p:sp>
@@ -6204,13 +6258,6 @@
   <p:clrMapOvr>
     <a:masterClrMapping/>
   </p:clrMapOvr>
-  <p:timing>
-    <p:tnLst>
-      <p:par>
-        <p:cTn xmlns:p14="http://schemas.microsoft.com/office/powerpoint/2010/main" id="1" dur="indefinite" restart="never" nodeType="tmRoot"/>
-      </p:par>
-    </p:tnLst>
-  </p:timing>
 </p:sld>
 </file>
 
@@ -6247,16 +6294,21 @@
           <a:lstStyle/>
           <a:p>
             <a:r>
-              <a:rPr lang="en-US" dirty="0" smtClean="0"/>
+              <a:rPr lang="en-US" dirty="0"/>
               <a:t>Larger N Reduces Variance</a:t>
             </a:r>
-            <a:endParaRPr lang="en-US" dirty="0"/>
           </a:p>
         </p:txBody>
       </p:sp>
       <p:pic>
         <p:nvPicPr>
-          <p:cNvPr id="4" name="Picture 3"/>
+          <p:cNvPr id="3" name="Picture 2">
+            <a:extLst>
+              <a:ext uri="{FF2B5EF4-FFF2-40B4-BE49-F238E27FC236}">
+                <a16:creationId xmlns:a16="http://schemas.microsoft.com/office/drawing/2014/main" id="{181C7CFD-91DC-402C-AFC5-5CEC7B2F28E2}"/>
+              </a:ext>
+            </a:extLst>
+          </p:cNvPr>
           <p:cNvPicPr>
             <a:picLocks noChangeAspect="1"/>
           </p:cNvPicPr>
@@ -6270,14 +6322,49 @@
         </p:blipFill>
         <p:spPr>
           <a:xfrm>
-            <a:off x="1269999" y="2238962"/>
-            <a:ext cx="6434667" cy="4111037"/>
+            <a:off x="852487" y="2510646"/>
+            <a:ext cx="4633913" cy="3571654"/>
           </a:xfrm>
           <a:prstGeom prst="rect">
             <a:avLst/>
           </a:prstGeom>
         </p:spPr>
       </p:pic>
+      <p:sp>
+        <p:nvSpPr>
+          <p:cNvPr id="5" name="TextBox 4">
+            <a:extLst>
+              <a:ext uri="{FF2B5EF4-FFF2-40B4-BE49-F238E27FC236}">
+                <a16:creationId xmlns:a16="http://schemas.microsoft.com/office/drawing/2014/main" id="{96D162B4-463A-4EA1-80A9-C3A1A97E6C08}"/>
+              </a:ext>
+            </a:extLst>
+          </p:cNvPr>
+          <p:cNvSpPr txBox="1"/>
+          <p:nvPr/>
+        </p:nvSpPr>
+        <p:spPr>
+          <a:xfrm>
+            <a:off x="6209403" y="3885152"/>
+            <a:ext cx="1623848" cy="923330"/>
+          </a:xfrm>
+          <a:prstGeom prst="rect">
+            <a:avLst/>
+          </a:prstGeom>
+          <a:noFill/>
+        </p:spPr>
+        <p:txBody>
+          <a:bodyPr wrap="square" rtlCol="0">
+            <a:spAutoFit/>
+          </a:bodyPr>
+          <a:lstStyle/>
+          <a:p>
+            <a:r>
+              <a:rPr lang="en-US" dirty="0"/>
+              <a:t>Average value on the roll of 1 die</a:t>
+            </a:r>
+          </a:p>
+        </p:txBody>
+      </p:sp>
     </p:spTree>
     <p:extLst>
       <p:ext uri="{BB962C8B-B14F-4D97-AF65-F5344CB8AC3E}">
@@ -6324,10 +6411,9 @@
           <a:lstStyle/>
           <a:p>
             <a:r>
-              <a:rPr lang="en-US" dirty="0" smtClean="0"/>
+              <a:rPr lang="en-US" dirty="0"/>
               <a:t>Variance Reduction</a:t>
             </a:r>
-            <a:endParaRPr lang="en-US" dirty="0"/>
           </a:p>
         </p:txBody>
       </p:sp>
@@ -6353,39 +6439,38 @@
           </a:p>
           <a:p>
             <a:r>
-              <a:rPr lang="en-US" dirty="0" smtClean="0"/>
+              <a:rPr lang="en-US" dirty="0"/>
               <a:t>Variance V=σ</a:t>
             </a:r>
             <a:r>
-              <a:rPr lang="en-US" baseline="30000" dirty="0" smtClean="0"/>
+              <a:rPr lang="en-US" baseline="30000" dirty="0"/>
               <a:t>2</a:t>
             </a:r>
           </a:p>
           <a:p>
             <a:r>
-              <a:rPr lang="en-US" dirty="0" smtClean="0"/>
+              <a:rPr lang="en-US" dirty="0"/>
               <a:t>Based on what we’ve seen, if we wanted to cut error in an N sample estimate in half how many samples would we need to take?</a:t>
             </a:r>
           </a:p>
           <a:p>
             <a:r>
-              <a:rPr lang="en-US" dirty="0" smtClean="0"/>
+              <a:rPr lang="en-US" dirty="0"/>
               <a:t>Monte Carlo methods converge slowly</a:t>
             </a:r>
           </a:p>
           <a:p>
             <a:pPr lvl="1"/>
             <a:r>
-              <a:rPr lang="en-US" dirty="0" smtClean="0"/>
+              <a:rPr lang="en-US" dirty="0"/>
               <a:t>But often are the only realistic option</a:t>
             </a:r>
           </a:p>
           <a:p>
             <a:r>
-              <a:rPr lang="en-US" dirty="0" smtClean="0"/>
+              <a:rPr lang="en-US" dirty="0"/>
               <a:t>Variance reduction techniques can help</a:t>
             </a:r>
-            <a:endParaRPr lang="en-US" dirty="0"/>
           </a:p>
         </p:txBody>
       </p:sp>
@@ -6399,13 +6484,6 @@
   <p:clrMapOvr>
     <a:masterClrMapping/>
   </p:clrMapOvr>
-  <p:timing>
-    <p:tnLst>
-      <p:par>
-        <p:cTn xmlns:p14="http://schemas.microsoft.com/office/powerpoint/2010/main" id="1" dur="indefinite" restart="never" nodeType="tmRoot"/>
-      </p:par>
-    </p:tnLst>
-  </p:timing>
 </p:sld>
 </file>
 
@@ -6442,10 +6520,9 @@
           <a:lstStyle/>
           <a:p>
             <a:r>
-              <a:rPr lang="en-US" dirty="0" smtClean="0"/>
+              <a:rPr lang="en-US" dirty="0"/>
               <a:t>Importance Sampling</a:t>
             </a:r>
-            <a:endParaRPr lang="en-US" dirty="0"/>
           </a:p>
         </p:txBody>
       </p:sp>
@@ -6470,16 +6547,15 @@
           <a:lstStyle/>
           <a:p>
             <a:r>
-              <a:rPr lang="en-US" dirty="0" smtClean="0"/>
+              <a:rPr lang="en-US" dirty="0"/>
               <a:t>Do not sample uniformly</a:t>
             </a:r>
           </a:p>
           <a:p>
             <a:r>
-              <a:rPr lang="en-US" dirty="0" smtClean="0"/>
+              <a:rPr lang="en-US" dirty="0"/>
               <a:t>Sample with a density that has a similar shape to the shape of f(x)</a:t>
             </a:r>
-            <a:endParaRPr lang="en-US" dirty="0"/>
           </a:p>
         </p:txBody>
       </p:sp>
@@ -6523,13 +6599,6 @@
   <p:clrMapOvr>
     <a:masterClrMapping/>
   </p:clrMapOvr>
-  <p:timing>
-    <p:tnLst>
-      <p:par>
-        <p:cTn xmlns:p14="http://schemas.microsoft.com/office/powerpoint/2010/main" id="1" dur="indefinite" restart="never" nodeType="tmRoot"/>
-      </p:par>
-    </p:tnLst>
-  </p:timing>
 </p:sld>
 </file>
 
@@ -6568,10 +6637,9 @@
           <a:lstStyle/>
           <a:p>
             <a:r>
-              <a:rPr lang="en-US" dirty="0" smtClean="0"/>
+              <a:rPr lang="en-US" dirty="0"/>
               <a:t>Summary: Monte Carlo Integration</a:t>
             </a:r>
-            <a:endParaRPr lang="en-US" dirty="0"/>
           </a:p>
         </p:txBody>
       </p:sp>
@@ -6596,52 +6664,52 @@
           <a:lstStyle/>
           <a:p>
             <a:r>
-              <a:rPr lang="en-US" dirty="0" smtClean="0"/>
+              <a:rPr lang="en-US" dirty="0"/>
               <a:t>Computing the expected value of a function is an integral</a:t>
             </a:r>
           </a:p>
           <a:p>
             <a:r>
-              <a:rPr lang="en-US" dirty="0" smtClean="0"/>
+              <a:rPr lang="en-US" dirty="0"/>
               <a:t>We can estimate expected value using random sampling</a:t>
             </a:r>
           </a:p>
           <a:p>
             <a:pPr lvl="1"/>
             <a:r>
-              <a:rPr lang="en-US" dirty="0" smtClean="0"/>
+              <a:rPr lang="en-US" dirty="0"/>
               <a:t>By the Law of Large Numbers</a:t>
             </a:r>
           </a:p>
           <a:p>
             <a:pPr lvl="1"/>
             <a:r>
-              <a:rPr lang="en-US" dirty="0" smtClean="0"/>
+              <a:rPr lang="en-US" dirty="0"/>
               <a:t>So…we can estimate an integral by sampling</a:t>
             </a:r>
           </a:p>
           <a:p>
             <a:r>
-              <a:rPr lang="en-US" dirty="0" smtClean="0"/>
+              <a:rPr lang="en-US" dirty="0"/>
               <a:t>Each integral estimate is an average</a:t>
             </a:r>
           </a:p>
           <a:p>
             <a:r>
-              <a:rPr lang="en-US" dirty="0" smtClean="0"/>
+              <a:rPr lang="en-US" dirty="0"/>
               <a:t>These averages form a normal distribution</a:t>
             </a:r>
           </a:p>
           <a:p>
             <a:pPr lvl="1"/>
             <a:r>
-              <a:rPr lang="en-US" dirty="0" smtClean="0"/>
+              <a:rPr lang="en-US" dirty="0"/>
               <a:t>By the Central Limit Theorem</a:t>
             </a:r>
           </a:p>
           <a:p>
             <a:r>
-              <a:rPr lang="en-US" dirty="0" smtClean="0"/>
+              <a:rPr lang="en-US" dirty="0"/>
               <a:t>The estimate will fall within 1 standard dev. with high probability</a:t>
             </a:r>
           </a:p>
@@ -6649,20 +6717,15 @@
             <a:pPr lvl="1"/>
             <a:r>
               <a:rPr lang="en-US" dirty="0"/>
-              <a:t>C</a:t>
-            </a:r>
-            <a:r>
-              <a:rPr lang="en-US" dirty="0" smtClean="0"/>
-              <a:t>an reduce the standard deviation by using more samples in the avg. </a:t>
+              <a:t>Can reduce the standard deviation by using more samples in the avg. </a:t>
             </a:r>
           </a:p>
           <a:p>
             <a:pPr lvl="1"/>
             <a:r>
-              <a:rPr lang="en-US" dirty="0" smtClean="0"/>
+              <a:rPr lang="en-US" dirty="0"/>
               <a:t>Error reduction behaves like the function </a:t>
             </a:r>
-            <a:endParaRPr lang="en-US" dirty="0"/>
           </a:p>
         </p:txBody>
       </p:sp>
@@ -6688,7 +6751,7 @@
           <a:graphicData uri="http://schemas.openxmlformats.org/presentationml/2006/ole">
             <mc:AlternateContent xmlns:mc="http://schemas.openxmlformats.org/markup-compatibility/2006">
               <mc:Choice xmlns:v="urn:schemas-microsoft-com:vml" Requires="v">
-                <p:oleObj spid="_x0000_s1030" name="Equation" r:id="rId3" imgW="304800" imgH="419100" progId="Equation.3">
+                <p:oleObj spid="_x0000_s1032" name="Equation" r:id="rId3" imgW="304800" imgH="419100" progId="Equation.3">
                   <p:embed/>
                 </p:oleObj>
               </mc:Choice>
@@ -6769,10 +6832,9 @@
           <a:lstStyle/>
           <a:p>
             <a:r>
-              <a:rPr lang="en-US" dirty="0" smtClean="0"/>
+              <a:rPr lang="en-US" dirty="0"/>
               <a:t>Stochastic Simulation with MC</a:t>
             </a:r>
-            <a:endParaRPr lang="en-US" dirty="0"/>
           </a:p>
         </p:txBody>
       </p:sp>
@@ -6803,7 +6865,7 @@
               <a:buChar char="•"/>
             </a:pPr>
             <a:r>
-              <a:rPr lang="en-US" sz="2000" dirty="0" smtClean="0"/>
+              <a:rPr lang="en-US" sz="2000" dirty="0"/>
               <a:t>Two requirements for Monte Carlo</a:t>
             </a:r>
           </a:p>
@@ -6813,7 +6875,7 @@
               <a:buChar char="•"/>
             </a:pPr>
             <a:r>
-              <a:rPr lang="en-US" sz="2000" dirty="0" smtClean="0"/>
+              <a:rPr lang="en-US" sz="2000" dirty="0"/>
               <a:t>Know which probability distribution you need to sample</a:t>
             </a:r>
           </a:p>
@@ -6823,13 +6885,13 @@
               <a:buChar char="•"/>
             </a:pPr>
             <a:r>
-              <a:rPr lang="en-US" sz="2000" dirty="0" smtClean="0"/>
+              <a:rPr lang="en-US" sz="2000" dirty="0"/>
               <a:t>Generate sufficiently random numbers</a:t>
             </a:r>
             <a:br>
-              <a:rPr lang="en-US" sz="2000" dirty="0" smtClean="0"/>
+              <a:rPr lang="en-US" sz="2000" dirty="0"/>
             </a:br>
-            <a:endParaRPr lang="en-US" sz="2000" dirty="0" smtClean="0"/>
+            <a:endParaRPr lang="en-US" sz="2000" dirty="0"/>
           </a:p>
           <a:p>
             <a:pPr marL="285750" indent="-285750">
@@ -6837,7 +6899,7 @@
               <a:buChar char="•"/>
             </a:pPr>
             <a:r>
-              <a:rPr lang="en-US" sz="2000" dirty="0" smtClean="0"/>
+              <a:rPr lang="en-US" sz="2000" dirty="0"/>
               <a:t>Random Numbers</a:t>
             </a:r>
           </a:p>
@@ -6847,11 +6909,11 @@
               <a:buChar char="•"/>
             </a:pPr>
             <a:r>
-              <a:rPr lang="en-US" sz="2000" dirty="0" smtClean="0"/>
+              <a:rPr lang="en-US" sz="2000" dirty="0"/>
               <a:t>Most Random Number Generators (RNGs) are </a:t>
             </a:r>
             <a:r>
-              <a:rPr lang="en-US" sz="2000" b="1" i="1" dirty="0" smtClean="0"/>
+              <a:rPr lang="en-US" sz="2000" b="1" i="1" dirty="0"/>
               <a:t>pseudo-random</a:t>
             </a:r>
           </a:p>
@@ -6861,7 +6923,7 @@
               <a:buChar char="•"/>
             </a:pPr>
             <a:r>
-              <a:rPr lang="en-US" sz="2000" dirty="0" smtClean="0"/>
+              <a:rPr lang="en-US" sz="2000" dirty="0"/>
               <a:t>Any idea why?</a:t>
             </a:r>
           </a:p>
@@ -6871,15 +6933,15 @@
               <a:buChar char="•"/>
             </a:pPr>
             <a:r>
-              <a:rPr lang="en-US" sz="2000" dirty="0" smtClean="0"/>
+              <a:rPr lang="en-US" sz="2000" dirty="0"/>
               <a:t>You can get faster convergence with a </a:t>
             </a:r>
             <a:r>
-              <a:rPr lang="en-US" sz="2000" b="1" i="1" dirty="0" smtClean="0"/>
+              <a:rPr lang="en-US" sz="2000" b="1" i="1" dirty="0"/>
               <a:t>quasi-random </a:t>
             </a:r>
             <a:r>
-              <a:rPr lang="en-US" sz="2000" dirty="0" smtClean="0"/>
+              <a:rPr lang="en-US" sz="2000" dirty="0"/>
               <a:t>sequence</a:t>
             </a:r>
           </a:p>
@@ -6889,7 +6951,7 @@
               <a:buChar char="•"/>
             </a:pPr>
             <a:r>
-              <a:rPr lang="en-US" sz="2000" dirty="0" smtClean="0"/>
+              <a:rPr lang="en-US" sz="2000" dirty="0"/>
               <a:t>Doesn’t clump, samples more or less uniform across domain</a:t>
             </a:r>
           </a:p>
@@ -6899,19 +6961,19 @@
               <a:buChar char="•"/>
             </a:pPr>
             <a:r>
-              <a:rPr lang="en-US" sz="2000" dirty="0" err="1" smtClean="0"/>
+              <a:rPr lang="en-US" sz="2000" dirty="0" err="1"/>
               <a:t>Hammersley</a:t>
             </a:r>
             <a:r>
-              <a:rPr lang="en-US" sz="2000" dirty="0" smtClean="0"/>
+              <a:rPr lang="en-US" sz="2000" dirty="0"/>
               <a:t> and </a:t>
             </a:r>
             <a:r>
-              <a:rPr lang="en-US" sz="2000" dirty="0" err="1" smtClean="0"/>
+              <a:rPr lang="en-US" sz="2000" dirty="0" err="1"/>
               <a:t>Halton</a:t>
             </a:r>
             <a:r>
-              <a:rPr lang="en-US" sz="2000" dirty="0" smtClean="0"/>
+              <a:rPr lang="en-US" sz="2000" dirty="0"/>
               <a:t> are examples</a:t>
             </a:r>
           </a:p>
@@ -6921,10 +6983,9 @@
               <a:buChar char="•"/>
             </a:pPr>
             <a:r>
-              <a:rPr lang="en-US" sz="2000" dirty="0" smtClean="0"/>
+              <a:rPr lang="en-US" sz="2000" dirty="0"/>
               <a:t>Why not just use a uniform grid of samples?</a:t>
             </a:r>
-            <a:endParaRPr lang="en-US" sz="2000" dirty="0"/>
           </a:p>
         </p:txBody>
       </p:sp>
@@ -6938,13 +6999,6 @@
   <p:clrMapOvr>
     <a:masterClrMapping/>
   </p:clrMapOvr>
-  <p:timing>
-    <p:tnLst>
-      <p:par>
-        <p:cTn xmlns:p14="http://schemas.microsoft.com/office/powerpoint/2010/main" id="1" dur="indefinite" restart="never" nodeType="tmRoot"/>
-      </p:par>
-    </p:tnLst>
-  </p:timing>
 </p:sld>
 </file>
 
@@ -6981,10 +7035,9 @@
           <a:lstStyle/>
           <a:p>
             <a:r>
-              <a:rPr lang="en-US" dirty="0" smtClean="0"/>
+              <a:rPr lang="en-US" dirty="0"/>
               <a:t>The Power of Randomization </a:t>
             </a:r>
-            <a:endParaRPr lang="en-US" dirty="0"/>
           </a:p>
         </p:txBody>
       </p:sp>
@@ -7004,7 +7057,7 @@
           <a:lstStyle/>
           <a:p>
             <a:r>
-              <a:rPr lang="en-US" dirty="0" smtClean="0"/>
+              <a:rPr lang="en-US" dirty="0"/>
               <a:t>Randomization is an important tool in algorithm design.</a:t>
             </a:r>
           </a:p>
@@ -7013,11 +7066,11 @@
           </a:p>
           <a:p>
             <a:r>
-              <a:rPr lang="en-US" i="1" dirty="0" smtClean="0"/>
+              <a:rPr lang="en-US" i="1" dirty="0"/>
               <a:t>Las Vegas algorithm</a:t>
             </a:r>
             <a:r>
-              <a:rPr lang="en-US" dirty="0" smtClean="0"/>
+              <a:rPr lang="en-US" dirty="0"/>
               <a:t>: uses randomness but always yields same result for same input</a:t>
             </a:r>
           </a:p>
@@ -7026,11 +7079,11 @@
           </a:p>
           <a:p>
             <a:r>
-              <a:rPr lang="en-US" i="1" dirty="0" smtClean="0"/>
+              <a:rPr lang="en-US" i="1" dirty="0"/>
               <a:t>Monte Carlo algorithm</a:t>
             </a:r>
             <a:r>
-              <a:rPr lang="en-US" dirty="0" smtClean="0"/>
+              <a:rPr lang="en-US" dirty="0"/>
               <a:t>: give different results depending on “random” inputs used…give right answer on average</a:t>
             </a:r>
             <a:endParaRPr lang="en-US" i="1" dirty="0"/>
@@ -7047,13 +7100,6 @@
   <p:clrMapOvr>
     <a:masterClrMapping/>
   </p:clrMapOvr>
-  <p:timing>
-    <p:tnLst>
-      <p:par>
-        <p:cTn xmlns:p14="http://schemas.microsoft.com/office/powerpoint/2010/main" id="1" dur="indefinite" restart="never" nodeType="tmRoot"/>
-      </p:par>
-    </p:tnLst>
-  </p:timing>
 </p:sld>
 </file>
 
@@ -7105,11 +7151,11 @@
               <a:t>E</a:t>
             </a:r>
             <a:r>
-              <a:rPr spc="144" dirty="0" smtClean="0"/>
+              <a:rPr spc="144" dirty="0"/>
               <a:t>xpected</a:t>
             </a:r>
             <a:r>
-              <a:rPr spc="76" dirty="0" smtClean="0"/>
+              <a:rPr spc="76" dirty="0"/>
               <a:t> </a:t>
             </a:r>
             <a:r>
@@ -7117,11 +7163,11 @@
               <a:t>V</a:t>
             </a:r>
             <a:r>
-              <a:rPr spc="148" dirty="0" smtClean="0"/>
+              <a:rPr spc="148" dirty="0"/>
               <a:t>alue</a:t>
             </a:r>
             <a:r>
-              <a:rPr spc="76" dirty="0" smtClean="0"/>
+              <a:rPr spc="76" dirty="0"/>
               <a:t> </a:t>
             </a:r>
             <a:r>
@@ -7137,18 +7183,17 @@
               <a:t>V</a:t>
             </a:r>
             <a:r>
-              <a:rPr spc="166" dirty="0" smtClean="0"/>
+              <a:rPr spc="166" dirty="0"/>
               <a:t>a</a:t>
             </a:r>
             <a:r>
-              <a:rPr spc="157" dirty="0" smtClean="0"/>
+              <a:rPr spc="157" dirty="0"/>
               <a:t>r</a:t>
             </a:r>
             <a:r>
-              <a:rPr spc="148" dirty="0" smtClean="0"/>
+              <a:rPr spc="148" dirty="0"/>
               <a:t>iance</a:t>
             </a:r>
-            <a:endParaRPr spc="148" dirty="0"/>
           </a:p>
         </p:txBody>
       </p:sp>
@@ -7186,13 +7231,6 @@
   <p:clrMapOvr>
     <a:masterClrMapping/>
   </p:clrMapOvr>
-  <p:timing>
-    <p:tnLst>
-      <p:par>
-        <p:cTn xmlns:p14="http://schemas.microsoft.com/office/powerpoint/2010/main" id="1" dur="indefinite" restart="never" nodeType="tmRoot"/>
-      </p:par>
-    </p:tnLst>
-  </p:timing>
 </p:sld>
 </file>
 
@@ -7229,10 +7267,9 @@
           <a:lstStyle/>
           <a:p>
             <a:r>
-              <a:rPr lang="en-US" dirty="0" smtClean="0"/>
+              <a:rPr lang="en-US" dirty="0"/>
               <a:t>Estimated E[x]</a:t>
             </a:r>
-            <a:endParaRPr lang="en-US" dirty="0"/>
           </a:p>
         </p:txBody>
       </p:sp>
@@ -7270,13 +7307,6 @@
   <p:clrMapOvr>
     <a:masterClrMapping/>
   </p:clrMapOvr>
-  <p:timing>
-    <p:tnLst>
-      <p:par>
-        <p:cTn xmlns:p14="http://schemas.microsoft.com/office/powerpoint/2010/main" id="1" dur="indefinite" restart="never" nodeType="tmRoot"/>
-      </p:par>
-    </p:tnLst>
-  </p:timing>
 </p:sld>
 </file>
 
@@ -7313,10 +7343,9 @@
           <a:lstStyle/>
           <a:p>
             <a:r>
-              <a:rPr lang="en-US" dirty="0" smtClean="0"/>
+              <a:rPr lang="en-US" dirty="0"/>
               <a:t>Law of Large Numbers</a:t>
             </a:r>
-            <a:endParaRPr lang="en-US" dirty="0"/>
           </a:p>
         </p:txBody>
       </p:sp>
@@ -7331,13 +7360,13 @@
           </p:nvPr>
         </p:nvPicPr>
         <p:blipFill rotWithShape="1">
-          <a:blip r:embed="rId2"/>
+          <a:blip r:embed="rId3"/>
           <a:srcRect l="-7539" r="4522"/>
           <a:stretch/>
         </p:blipFill>
         <p:spPr>
           <a:xfrm>
-            <a:off x="1718146" y="3977547"/>
+            <a:off x="74425" y="3669393"/>
             <a:ext cx="6104313" cy="2035934"/>
           </a:xfrm>
         </p:spPr>
@@ -7352,7 +7381,7 @@
         </p:nvSpPr>
         <p:spPr>
           <a:xfrm>
-            <a:off x="1114424" y="2595562"/>
+            <a:off x="766762" y="2142163"/>
             <a:ext cx="7610476" cy="3670767"/>
           </a:xfrm>
           <a:prstGeom prst="rect">
@@ -7560,13 +7589,56 @@
           </a:lstStyle>
           <a:p>
             <a:r>
-              <a:rPr lang="en-US" dirty="0" smtClean="0"/>
-              <a:t>As the number of samples goes to infinity, the error goes to zero and the answer converges to the correct number</a:t>
-            </a:r>
-            <a:endParaRPr lang="en-US" dirty="0"/>
-          </a:p>
-        </p:txBody>
-      </p:sp>
+              <a:rPr lang="en-US" dirty="0"/>
+              <a:t>As the number of samples goes to infinity</a:t>
+            </a:r>
+          </a:p>
+          <a:p>
+            <a:pPr lvl="1"/>
+            <a:r>
+              <a:rPr lang="en-US" dirty="0"/>
+              <a:t> the error goes to zero</a:t>
+            </a:r>
+          </a:p>
+          <a:p>
+            <a:pPr lvl="1"/>
+            <a:r>
+              <a:rPr lang="en-US" dirty="0"/>
+              <a:t>the answer converges to the correct number</a:t>
+            </a:r>
+          </a:p>
+        </p:txBody>
+      </p:sp>
+      <p:pic>
+        <p:nvPicPr>
+          <p:cNvPr id="3" name="Picture 2">
+            <a:extLst>
+              <a:ext uri="{FF2B5EF4-FFF2-40B4-BE49-F238E27FC236}">
+                <a16:creationId xmlns:a16="http://schemas.microsoft.com/office/drawing/2014/main" id="{BEF7E3AD-D16B-4CEB-A709-32B3C9E04D1E}"/>
+              </a:ext>
+            </a:extLst>
+          </p:cNvPr>
+          <p:cNvPicPr>
+            <a:picLocks noChangeAspect="1"/>
+          </p:cNvPicPr>
+          <p:nvPr/>
+        </p:nvPicPr>
+        <p:blipFill>
+          <a:blip r:embed="rId4"/>
+          <a:stretch>
+            <a:fillRect/>
+          </a:stretch>
+        </p:blipFill>
+        <p:spPr>
+          <a:xfrm>
+            <a:off x="5486400" y="3429000"/>
+            <a:ext cx="3252358" cy="2168239"/>
+          </a:xfrm>
+          <a:prstGeom prst="rect">
+            <a:avLst/>
+          </a:prstGeom>
+        </p:spPr>
+      </p:pic>
     </p:spTree>
     <p:extLst>
       <p:ext uri="{BB962C8B-B14F-4D97-AF65-F5344CB8AC3E}">
@@ -7577,13 +7649,6 @@
   <p:clrMapOvr>
     <a:masterClrMapping/>
   </p:clrMapOvr>
-  <p:timing>
-    <p:tnLst>
-      <p:par>
-        <p:cTn xmlns:p14="http://schemas.microsoft.com/office/powerpoint/2010/main" id="1" dur="indefinite" restart="never" nodeType="tmRoot"/>
-      </p:par>
-    </p:tnLst>
-  </p:timing>
 </p:sld>
 </file>
 
@@ -7620,10 +7685,9 @@
           <a:lstStyle/>
           <a:p>
             <a:r>
-              <a:rPr lang="en-US" dirty="0" smtClean="0"/>
+              <a:rPr lang="en-US" dirty="0"/>
               <a:t>Continuous Versions</a:t>
             </a:r>
-            <a:endParaRPr lang="en-US" dirty="0"/>
           </a:p>
         </p:txBody>
       </p:sp>
@@ -7659,13 +7723,6 @@
   <p:clrMapOvr>
     <a:masterClrMapping/>
   </p:clrMapOvr>
-  <p:timing>
-    <p:tnLst>
-      <p:par>
-        <p:cTn xmlns:p14="http://schemas.microsoft.com/office/powerpoint/2010/main" id="1" dur="indefinite" restart="never" nodeType="tmRoot"/>
-      </p:par>
-    </p:tnLst>
-  </p:timing>
 </p:sld>
 </file>
 
@@ -7702,10 +7759,9 @@
           <a:lstStyle/>
           <a:p>
             <a:r>
-              <a:rPr lang="en-US" dirty="0" smtClean="0"/>
+              <a:rPr lang="en-US" dirty="0"/>
               <a:t>2D Example…computing π</a:t>
             </a:r>
-            <a:endParaRPr lang="en-US" dirty="0"/>
           </a:p>
         </p:txBody>
       </p:sp>
@@ -7741,13 +7797,6 @@
   <p:clrMapOvr>
     <a:masterClrMapping/>
   </p:clrMapOvr>
-  <p:timing>
-    <p:tnLst>
-      <p:par>
-        <p:cTn xmlns:p14="http://schemas.microsoft.com/office/powerpoint/2010/main" id="1" dur="indefinite" restart="never" nodeType="tmRoot"/>
-      </p:par>
-    </p:tnLst>
-  </p:timing>
 </p:sld>
 </file>
 
@@ -7824,13 +7873,6 @@
   <p:clrMapOvr>
     <a:masterClrMapping/>
   </p:clrMapOvr>
-  <p:timing>
-    <p:tnLst>
-      <p:par>
-        <p:cTn xmlns:p14="http://schemas.microsoft.com/office/powerpoint/2010/main" id="1" dur="indefinite" restart="never" nodeType="tmRoot"/>
-      </p:par>
-    </p:tnLst>
-  </p:timing>
 </p:sld>
 </file>
 
@@ -7902,13 +7944,6 @@
   <p:clrMapOvr>
     <a:masterClrMapping/>
   </p:clrMapOvr>
-  <p:timing>
-    <p:tnLst>
-      <p:par>
-        <p:cTn xmlns:p14="http://schemas.microsoft.com/office/powerpoint/2010/main" id="1" dur="indefinite" restart="never" nodeType="tmRoot"/>
-      </p:par>
-    </p:tnLst>
-  </p:timing>
 </p:sld>
 </file>
 
